--- a/os1-and-tcp.pptx
+++ b/os1-and-tcp.pptx
@@ -104,6 +104,11 @@
       </a:defRPr>
     </a:lvl9pPr>
   </p:defaultTextStyle>
+  <p:extLst>
+    <p:ext uri="{EFAFB233-063F-42B5-8137-9DF3F51BA10A}">
+      <p15:sldGuideLst xmlns:p15="http://schemas.microsoft.com/office/powerpoint/2012/main"/>
+    </p:ext>
+  </p:extLst>
 </p:presentation>
 </file>
 
@@ -313,7 +318,7 @@
           <a:p>
             <a:fld id="{0562CC9D-2418-4839-9ADE-7FBA1656D330}" type="datetimeFigureOut">
               <a:rPr lang="ko-KR" altLang="en-US" smtClean="0"/>
-              <a:t>2020-07-12</a:t>
+              <a:t>2020-07-21</a:t>
             </a:fld>
             <a:endParaRPr lang="ko-KR" altLang="en-US"/>
           </a:p>
@@ -511,7 +516,7 @@
           <a:p>
             <a:fld id="{0562CC9D-2418-4839-9ADE-7FBA1656D330}" type="datetimeFigureOut">
               <a:rPr lang="ko-KR" altLang="en-US" smtClean="0"/>
-              <a:t>2020-07-12</a:t>
+              <a:t>2020-07-21</a:t>
             </a:fld>
             <a:endParaRPr lang="ko-KR" altLang="en-US"/>
           </a:p>
@@ -719,7 +724,7 @@
           <a:p>
             <a:fld id="{0562CC9D-2418-4839-9ADE-7FBA1656D330}" type="datetimeFigureOut">
               <a:rPr lang="ko-KR" altLang="en-US" smtClean="0"/>
-              <a:t>2020-07-12</a:t>
+              <a:t>2020-07-21</a:t>
             </a:fld>
             <a:endParaRPr lang="ko-KR" altLang="en-US"/>
           </a:p>
@@ -917,7 +922,7 @@
           <a:p>
             <a:fld id="{0562CC9D-2418-4839-9ADE-7FBA1656D330}" type="datetimeFigureOut">
               <a:rPr lang="ko-KR" altLang="en-US" smtClean="0"/>
-              <a:t>2020-07-12</a:t>
+              <a:t>2020-07-21</a:t>
             </a:fld>
             <a:endParaRPr lang="ko-KR" altLang="en-US"/>
           </a:p>
@@ -1192,7 +1197,7 @@
           <a:p>
             <a:fld id="{0562CC9D-2418-4839-9ADE-7FBA1656D330}" type="datetimeFigureOut">
               <a:rPr lang="ko-KR" altLang="en-US" smtClean="0"/>
-              <a:t>2020-07-12</a:t>
+              <a:t>2020-07-21</a:t>
             </a:fld>
             <a:endParaRPr lang="ko-KR" altLang="en-US"/>
           </a:p>
@@ -1457,7 +1462,7 @@
           <a:p>
             <a:fld id="{0562CC9D-2418-4839-9ADE-7FBA1656D330}" type="datetimeFigureOut">
               <a:rPr lang="ko-KR" altLang="en-US" smtClean="0"/>
-              <a:t>2020-07-12</a:t>
+              <a:t>2020-07-21</a:t>
             </a:fld>
             <a:endParaRPr lang="ko-KR" altLang="en-US"/>
           </a:p>
@@ -1869,7 +1874,7 @@
           <a:p>
             <a:fld id="{0562CC9D-2418-4839-9ADE-7FBA1656D330}" type="datetimeFigureOut">
               <a:rPr lang="ko-KR" altLang="en-US" smtClean="0"/>
-              <a:t>2020-07-12</a:t>
+              <a:t>2020-07-21</a:t>
             </a:fld>
             <a:endParaRPr lang="ko-KR" altLang="en-US"/>
           </a:p>
@@ -2010,7 +2015,7 @@
           <a:p>
             <a:fld id="{0562CC9D-2418-4839-9ADE-7FBA1656D330}" type="datetimeFigureOut">
               <a:rPr lang="ko-KR" altLang="en-US" smtClean="0"/>
-              <a:t>2020-07-12</a:t>
+              <a:t>2020-07-21</a:t>
             </a:fld>
             <a:endParaRPr lang="ko-KR" altLang="en-US"/>
           </a:p>
@@ -2123,7 +2128,7 @@
           <a:p>
             <a:fld id="{0562CC9D-2418-4839-9ADE-7FBA1656D330}" type="datetimeFigureOut">
               <a:rPr lang="ko-KR" altLang="en-US" smtClean="0"/>
-              <a:t>2020-07-12</a:t>
+              <a:t>2020-07-21</a:t>
             </a:fld>
             <a:endParaRPr lang="ko-KR" altLang="en-US"/>
           </a:p>
@@ -2434,7 +2439,7 @@
           <a:p>
             <a:fld id="{0562CC9D-2418-4839-9ADE-7FBA1656D330}" type="datetimeFigureOut">
               <a:rPr lang="ko-KR" altLang="en-US" smtClean="0"/>
-              <a:t>2020-07-12</a:t>
+              <a:t>2020-07-21</a:t>
             </a:fld>
             <a:endParaRPr lang="ko-KR" altLang="en-US"/>
           </a:p>
@@ -2722,7 +2727,7 @@
           <a:p>
             <a:fld id="{0562CC9D-2418-4839-9ADE-7FBA1656D330}" type="datetimeFigureOut">
               <a:rPr lang="ko-KR" altLang="en-US" smtClean="0"/>
-              <a:t>2020-07-12</a:t>
+              <a:t>2020-07-21</a:t>
             </a:fld>
             <a:endParaRPr lang="ko-KR" altLang="en-US"/>
           </a:p>
@@ -2963,7 +2968,7 @@
           <a:p>
             <a:fld id="{0562CC9D-2418-4839-9ADE-7FBA1656D330}" type="datetimeFigureOut">
               <a:rPr lang="ko-KR" altLang="en-US" smtClean="0"/>
-              <a:t>2020-07-12</a:t>
+              <a:t>2020-07-21</a:t>
             </a:fld>
             <a:endParaRPr lang="ko-KR" altLang="en-US"/>
           </a:p>
@@ -3395,7 +3400,7 @@
           <p:nvPr>
             <p:extLst>
               <p:ext uri="{D42A27DB-BD31-4B8C-83A1-F6EECF244321}">
-                <p14:modId xmlns:p14="http://schemas.microsoft.com/office/powerpoint/2010/main" val="4099303015"/>
+                <p14:modId xmlns:p14="http://schemas.microsoft.com/office/powerpoint/2010/main" val="4286882188"/>
               </p:ext>
             </p:extLst>
           </p:nvPr>
@@ -3572,13 +3577,17 @@
                   </a:txBody>
                   <a:tcPr anchor="ctr"/>
                 </a:tc>
-                <a:tc>
+                <a:tc rowSpan="3">
                   <a:txBody>
                     <a:bodyPr/>
                     <a:lstStyle/>
                     <a:p>
                       <a:pPr algn="ctr" latinLnBrk="1"/>
-                      <a:endParaRPr lang="ko-KR" altLang="en-US" sz="2400"/>
+                      <a:r>
+                        <a:rPr lang="en-US" altLang="ko-KR" sz="2400" dirty="0"/>
+                        <a:t>L7(Firewall)</a:t>
+                      </a:r>
+                      <a:endParaRPr lang="ko-KR" altLang="en-US" sz="2400" dirty="0"/>
                     </a:p>
                   </a:txBody>
                   <a:tcPr anchor="ctr"/>
@@ -3666,13 +3675,13 @@
                   </a:txBody>
                   <a:tcPr anchor="ctr"/>
                 </a:tc>
-                <a:tc>
+                <a:tc vMerge="1">
                   <a:txBody>
                     <a:bodyPr/>
                     <a:lstStyle/>
                     <a:p>
                       <a:pPr algn="ctr" latinLnBrk="1"/>
-                      <a:endParaRPr lang="ko-KR" altLang="en-US" sz="2400"/>
+                      <a:endParaRPr lang="ko-KR" altLang="en-US" sz="2400" dirty="0"/>
                     </a:p>
                   </a:txBody>
                   <a:tcPr anchor="ctr"/>
@@ -3744,7 +3753,7 @@
                   </a:txBody>
                   <a:tcPr anchor="ctr"/>
                 </a:tc>
-                <a:tc>
+                <a:tc vMerge="1">
                   <a:txBody>
                     <a:bodyPr/>
                     <a:lstStyle/>
@@ -3828,6 +3837,10 @@
                     <a:lstStyle/>
                     <a:p>
                       <a:pPr algn="ctr" latinLnBrk="1"/>
+                      <a:r>
+                        <a:rPr lang="en-US" altLang="ko-KR" sz="2400" dirty="0"/>
+                        <a:t>L4(NAT)</a:t>
+                      </a:r>
                       <a:endParaRPr lang="ko-KR" altLang="en-US" sz="2400" dirty="0"/>
                     </a:p>
                   </a:txBody>
@@ -3922,6 +3935,10 @@
                     <a:lstStyle/>
                     <a:p>
                       <a:pPr algn="ctr" latinLnBrk="1"/>
+                      <a:r>
+                        <a:rPr lang="en-US" altLang="ko-KR" sz="2400" dirty="0"/>
+                        <a:t>L3(router)</a:t>
+                      </a:r>
                       <a:endParaRPr lang="ko-KR" altLang="en-US" sz="2400" dirty="0"/>
                     </a:p>
                   </a:txBody>
@@ -4016,7 +4033,11 @@
                     <a:lstStyle/>
                     <a:p>
                       <a:pPr algn="ctr" latinLnBrk="1"/>
-                      <a:endParaRPr lang="ko-KR" altLang="en-US" sz="2400"/>
+                      <a:r>
+                        <a:rPr lang="en-US" altLang="ko-KR" sz="2400" dirty="0"/>
+                        <a:t>L2(switch)</a:t>
+                      </a:r>
+                      <a:endParaRPr lang="ko-KR" altLang="en-US" sz="2400" dirty="0"/>
                     </a:p>
                   </a:txBody>
                   <a:tcPr anchor="ctr"/>
@@ -4117,7 +4138,11 @@
                     <a:lstStyle/>
                     <a:p>
                       <a:pPr algn="ctr" latinLnBrk="1"/>
-                      <a:endParaRPr lang="ko-KR" altLang="en-US" sz="2400"/>
+                      <a:r>
+                        <a:rPr lang="en-US" altLang="ko-KR" sz="2400" dirty="0"/>
+                        <a:t>L1</a:t>
+                      </a:r>
+                      <a:endParaRPr lang="ko-KR" altLang="en-US" sz="2400" dirty="0"/>
                     </a:p>
                   </a:txBody>
                   <a:tcPr anchor="ctr"/>
@@ -4463,6 +4488,21 @@
 </file>
 
 <file path=customXml/item1.xml><?xml version="1.0" encoding="utf-8"?>
+<p:properties xmlns:p="http://schemas.microsoft.com/office/2006/metadata/properties" xmlns:xsi="http://www.w3.org/2001/XMLSchema-instance" xmlns:pc="http://schemas.microsoft.com/office/infopath/2007/PartnerControls">
+  <documentManagement/>
+</p:properties>
+</file>
+
+<file path=customXml/item2.xml><?xml version="1.0" encoding="utf-8"?>
+<?mso-contentType ?>
+<FormTemplates xmlns="http://schemas.microsoft.com/sharepoint/v3/contenttype/forms">
+  <Display>DocumentLibraryForm</Display>
+  <Edit>DocumentLibraryForm</Edit>
+  <New>DocumentLibraryForm</New>
+</FormTemplates>
+</file>
+
+<file path=customXml/item3.xml><?xml version="1.0" encoding="utf-8"?>
 <ct:contentTypeSchema xmlns:ct="http://schemas.microsoft.com/office/2006/metadata/contentType" xmlns:ma="http://schemas.microsoft.com/office/2006/metadata/properties/metaAttributes" ct:_="" ma:_="" ma:contentTypeName="문서" ma:contentTypeID="0x0101005A2DC471DF23824BB4811D7C91A1F5CE" ma:contentTypeVersion="10" ma:contentTypeDescription="새 문서를 만듭니다." ma:contentTypeScope="" ma:versionID="2177a17b768c870b4cc19fbd0d05d839">
   <xsd:schema xmlns:xsd="http://www.w3.org/2001/XMLSchema" xmlns:xs="http://www.w3.org/2001/XMLSchema" xmlns:p="http://schemas.microsoft.com/office/2006/metadata/properties" xmlns:ns3="9f1df65a-a289-4271-974e-f9579f553473" targetNamespace="http://schemas.microsoft.com/office/2006/metadata/properties" ma:root="true" ma:fieldsID="5e5299f5728d6bda3aeabee9146a7b81" ns3:_="">
     <xsd:import namespace="9f1df65a-a289-4271-974e-f9579f553473"/>
@@ -4646,22 +4686,24 @@
 </ct:contentTypeSchema>
 </file>
 
-<file path=customXml/item2.xml><?xml version="1.0" encoding="utf-8"?>
-<?mso-contentType ?>
-<FormTemplates xmlns="http://schemas.microsoft.com/sharepoint/v3/contenttype/forms">
-  <Display>DocumentLibraryForm</Display>
-  <Edit>DocumentLibraryForm</Edit>
-  <New>DocumentLibraryForm</New>
-</FormTemplates>
+<file path=customXml/itemProps1.xml><?xml version="1.0" encoding="utf-8"?>
+<ds:datastoreItem xmlns:ds="http://schemas.openxmlformats.org/officeDocument/2006/customXml" ds:itemID="{A1E810CB-22B9-49A7-87B9-A967CCC1D2B1}">
+  <ds:schemaRefs>
+    <ds:schemaRef ds:uri="http://schemas.microsoft.com/office/2006/metadata/properties"/>
+    <ds:schemaRef ds:uri="http://schemas.microsoft.com/office/infopath/2007/PartnerControls"/>
+  </ds:schemaRefs>
+</ds:datastoreItem>
 </file>
 
-<file path=customXml/item3.xml><?xml version="1.0" encoding="utf-8"?>
-<p:properties xmlns:p="http://schemas.microsoft.com/office/2006/metadata/properties" xmlns:xsi="http://www.w3.org/2001/XMLSchema-instance" xmlns:pc="http://schemas.microsoft.com/office/infopath/2007/PartnerControls">
-  <documentManagement/>
-</p:properties>
+<file path=customXml/itemProps2.xml><?xml version="1.0" encoding="utf-8"?>
+<ds:datastoreItem xmlns:ds="http://schemas.openxmlformats.org/officeDocument/2006/customXml" ds:itemID="{0843ADF9-F2A2-48FD-A0B1-868E52D3000B}">
+  <ds:schemaRefs>
+    <ds:schemaRef ds:uri="http://schemas.microsoft.com/sharepoint/v3/contenttype/forms"/>
+  </ds:schemaRefs>
+</ds:datastoreItem>
 </file>
 
-<file path=customXml/itemProps1.xml><?xml version="1.0" encoding="utf-8"?>
+<file path=customXml/itemProps3.xml><?xml version="1.0" encoding="utf-8"?>
 <ds:datastoreItem xmlns:ds="http://schemas.openxmlformats.org/officeDocument/2006/customXml" ds:itemID="{DC69CD9F-E127-4750-B3C3-BB41C9DDF2D2}">
   <ds:schemaRefs>
     <ds:schemaRef ds:uri="http://schemas.microsoft.com/office/2006/metadata/contentType"/>
@@ -4677,21 +4719,4 @@
     <ds:schemaRef ds:uri="http://schemas.microsoft.com/internal/obd"/>
   </ds:schemaRefs>
 </ds:datastoreItem>
-</file>
-
-<file path=customXml/itemProps2.xml><?xml version="1.0" encoding="utf-8"?>
-<ds:datastoreItem xmlns:ds="http://schemas.openxmlformats.org/officeDocument/2006/customXml" ds:itemID="{0843ADF9-F2A2-48FD-A0B1-868E52D3000B}">
-  <ds:schemaRefs>
-    <ds:schemaRef ds:uri="http://schemas.microsoft.com/sharepoint/v3/contenttype/forms"/>
-  </ds:schemaRefs>
-</ds:datastoreItem>
-</file>
-
-<file path=customXml/itemProps3.xml><?xml version="1.0" encoding="utf-8"?>
-<ds:datastoreItem xmlns:ds="http://schemas.openxmlformats.org/officeDocument/2006/customXml" ds:itemID="{A1E810CB-22B9-49A7-87B9-A967CCC1D2B1}">
-  <ds:schemaRefs>
-    <ds:schemaRef ds:uri="http://schemas.microsoft.com/office/2006/metadata/properties"/>
-    <ds:schemaRef ds:uri="http://schemas.microsoft.com/office/infopath/2007/PartnerControls"/>
-  </ds:schemaRefs>
-</ds:datastoreItem>
 </file>